--- a/MACHINE LEARNING.pptx
+++ b/MACHINE LEARNING.pptx
@@ -14,7 +14,9 @@
     <p:sldId id="263" r:id="rId8"/>
     <p:sldId id="266" r:id="rId9"/>
     <p:sldId id="265" r:id="rId10"/>
-    <p:sldId id="259" r:id="rId11"/>
+    <p:sldId id="268" r:id="rId11"/>
+    <p:sldId id="269" r:id="rId12"/>
+    <p:sldId id="259" r:id="rId13"/>
   </p:sldIdLst>
   <p:sldSz cx="12192000" cy="6858000"/>
   <p:notesSz cx="6858000" cy="9144000"/>
@@ -5903,7 +5905,7 @@
             <a:pPr algn="ctr"/>
             <a:r>
               <a:rPr lang="en-US" sz="3600" dirty="0"/>
-              <a:t>ASSIGNMENT</a:t>
+              <a:t>PROJECT</a:t>
             </a:r>
           </a:p>
         </p:txBody>
@@ -5922,8 +5924,8 @@
         </p:nvSpPr>
         <p:spPr>
           <a:xfrm>
-            <a:off x="6005741" y="4589186"/>
-            <a:ext cx="3275861" cy="1292662"/>
+            <a:off x="5863698" y="4529768"/>
+            <a:ext cx="3275861" cy="1461939"/>
           </a:xfrm>
           <a:prstGeom prst="rect">
             <a:avLst/>
@@ -5944,8 +5946,17 @@
                   </a:schemeClr>
                 </a:solidFill>
               </a:rPr>
-              <a:t>Submitted By:</a:t>
-            </a:r>
+              <a:t>Submitted By :-</a:t>
+            </a:r>
+          </a:p>
+          <a:p>
+            <a:endParaRPr lang="en-US" sz="600" dirty="0">
+              <a:solidFill>
+                <a:schemeClr val="accent1">
+                  <a:lumMod val="75000"/>
+                </a:schemeClr>
+              </a:solidFill>
+            </a:endParaRPr>
           </a:p>
           <a:p>
             <a:r>
@@ -5958,6 +5969,15 @@
               </a:rPr>
               <a:t>    Divya Solanki</a:t>
             </a:r>
+          </a:p>
+          <a:p>
+            <a:endParaRPr lang="en-US" sz="500" dirty="0">
+              <a:solidFill>
+                <a:schemeClr val="accent1">
+                  <a:lumMod val="75000"/>
+                </a:schemeClr>
+              </a:solidFill>
+            </a:endParaRPr>
           </a:p>
           <a:p>
             <a:r>
@@ -6035,6 +6055,78 @@
                 </a:schemeClr>
               </a:solidFill>
             </a:endParaRPr>
+          </a:p>
+        </p:txBody>
+      </p:sp>
+      <p:sp>
+        <p:nvSpPr>
+          <p:cNvPr id="6" name="TextBox 5">
+            <a:extLst>
+              <a:ext uri="{FF2B5EF4-FFF2-40B4-BE49-F238E27FC236}">
+                <a16:creationId xmlns:a16="http://schemas.microsoft.com/office/drawing/2014/main" id="{6A9B4B7E-8EF7-DD84-A471-F79E66DB741E}"/>
+              </a:ext>
+            </a:extLst>
+          </p:cNvPr>
+          <p:cNvSpPr txBox="1"/>
+          <p:nvPr/>
+        </p:nvSpPr>
+        <p:spPr>
+          <a:xfrm>
+            <a:off x="1340528" y="4529768"/>
+            <a:ext cx="3275861" cy="1092607"/>
+          </a:xfrm>
+          <a:prstGeom prst="rect">
+            <a:avLst/>
+          </a:prstGeom>
+          <a:noFill/>
+        </p:spPr>
+        <p:txBody>
+          <a:bodyPr wrap="square" rtlCol="0">
+            <a:spAutoFit/>
+          </a:bodyPr>
+          <a:lstStyle/>
+          <a:p>
+            <a:r>
+              <a:rPr lang="en-US" sz="2000" dirty="0">
+                <a:solidFill>
+                  <a:schemeClr val="accent1">
+                    <a:lumMod val="75000"/>
+                  </a:schemeClr>
+                </a:solidFill>
+              </a:rPr>
+              <a:t>Submitted To :-</a:t>
+            </a:r>
+            <a:endParaRPr lang="en-US" sz="600" dirty="0">
+              <a:solidFill>
+                <a:schemeClr val="accent1">
+                  <a:lumMod val="75000"/>
+                </a:schemeClr>
+              </a:solidFill>
+            </a:endParaRPr>
+          </a:p>
+          <a:p>
+            <a:endParaRPr lang="en-US" sz="700" dirty="0">
+              <a:solidFill>
+                <a:schemeClr val="accent1">
+                  <a:lumMod val="75000"/>
+                </a:schemeClr>
+              </a:solidFill>
+            </a:endParaRPr>
+          </a:p>
+          <a:p>
+            <a:r>
+              <a:rPr lang="en-US" sz="2000" dirty="0">
+                <a:solidFill>
+                  <a:schemeClr val="accent1">
+                    <a:lumMod val="75000"/>
+                  </a:schemeClr>
+                </a:solidFill>
+              </a:rPr>
+              <a:t>    Prof. Bharti Rana</a:t>
+            </a:r>
+          </a:p>
+          <a:p>
+            <a:endParaRPr lang="en-US" dirty="0"/>
           </a:p>
         </p:txBody>
       </p:sp>
@@ -6073,6 +6165,275 @@
           <p:cNvPr id="2" name="Title 1">
             <a:extLst>
               <a:ext uri="{FF2B5EF4-FFF2-40B4-BE49-F238E27FC236}">
+                <a16:creationId xmlns:a16="http://schemas.microsoft.com/office/drawing/2014/main" id="{5243AD86-3C61-C64C-522B-0494C7AE9EA7}"/>
+              </a:ext>
+            </a:extLst>
+          </p:cNvPr>
+          <p:cNvSpPr>
+            <a:spLocks noGrp="1"/>
+          </p:cNvSpPr>
+          <p:nvPr>
+            <p:ph type="title"/>
+          </p:nvPr>
+        </p:nvSpPr>
+        <p:spPr>
+          <a:xfrm>
+            <a:off x="677334" y="254494"/>
+            <a:ext cx="8596668" cy="686540"/>
+          </a:xfrm>
+        </p:spPr>
+        <p:txBody>
+          <a:bodyPr/>
+          <a:lstStyle/>
+          <a:p>
+            <a:r>
+              <a:rPr lang="en-US" dirty="0"/>
+              <a:t>Contd.</a:t>
+            </a:r>
+          </a:p>
+        </p:txBody>
+      </p:sp>
+      <p:sp>
+        <p:nvSpPr>
+          <p:cNvPr id="3" name="Content Placeholder 2">
+            <a:extLst>
+              <a:ext uri="{FF2B5EF4-FFF2-40B4-BE49-F238E27FC236}">
+                <a16:creationId xmlns:a16="http://schemas.microsoft.com/office/drawing/2014/main" id="{955C3738-FFDD-8C0F-96EC-18BFAB03EBF8}"/>
+              </a:ext>
+            </a:extLst>
+          </p:cNvPr>
+          <p:cNvSpPr>
+            <a:spLocks noGrp="1"/>
+          </p:cNvSpPr>
+          <p:nvPr>
+            <p:ph idx="1"/>
+          </p:nvPr>
+        </p:nvSpPr>
+        <p:spPr>
+          <a:xfrm>
+            <a:off x="677334" y="1081598"/>
+            <a:ext cx="8596668" cy="5406500"/>
+          </a:xfrm>
+        </p:spPr>
+        <p:txBody>
+          <a:bodyPr>
+            <a:noAutofit/>
+          </a:bodyPr>
+          <a:lstStyle/>
+          <a:p>
+            <a:pPr marL="0" indent="0">
+              <a:buNone/>
+            </a:pPr>
+            <a:r>
+              <a:rPr lang="en-US" sz="1800" dirty="0"/>
+              <a:t>The accuracy of the ANN model was evaluated by performing a regression analysis between the resulted output and the test data. In the training stage, the simulated PM2.5 values and the target data showed the best fit with a high correlation coefficient (R).</a:t>
+            </a:r>
+            <a:endParaRPr lang="en-US" dirty="0"/>
+          </a:p>
+          <a:p>
+            <a:pPr marL="0" indent="0">
+              <a:buNone/>
+            </a:pPr>
+            <a:r>
+              <a:rPr lang="en-US" dirty="0"/>
+              <a:t>The MSE (mean square error) was used as a statistical measures to analyze the prediction accuracy of the ANN model.</a:t>
+            </a:r>
+          </a:p>
+          <a:p>
+            <a:pPr marL="0" indent="0">
+              <a:buNone/>
+            </a:pPr>
+            <a:r>
+              <a:rPr lang="en-US" dirty="0"/>
+              <a:t>In case of ANN model, it was found that the predicted values were very close to the actual test set target values, suggesting the fact that ANN based model was very much efficient in performing this prediction for most of the data points.</a:t>
+            </a:r>
+          </a:p>
+          <a:p>
+            <a:pPr marL="0" indent="0">
+              <a:buNone/>
+            </a:pPr>
+            <a:r>
+              <a:rPr lang="en-US" dirty="0"/>
+              <a:t>However, the SVM based model was not that much efficient in the task of PM2.5 prediction as it was found that its predicted values were not in close ranges to the actual target test set values. Also, for some data points, the SVM based model aberrated significantly from the target data points, which eventually led to a decline in its test MSE performance.</a:t>
+            </a:r>
+          </a:p>
+          <a:p>
+            <a:pPr marL="0" indent="0">
+              <a:buNone/>
+            </a:pPr>
+            <a:r>
+              <a:rPr lang="en-US" dirty="0"/>
+              <a:t>It was observed that the ANN-based PM2.5 prediction model involving the air pollution and meteorological data exhibited better performance for the available test dataset. </a:t>
+            </a:r>
+          </a:p>
+          <a:p>
+            <a:pPr marL="0" indent="0">
+              <a:buNone/>
+            </a:pPr>
+            <a:endParaRPr lang="en-US" dirty="0"/>
+          </a:p>
+        </p:txBody>
+      </p:sp>
+    </p:spTree>
+    <p:extLst>
+      <p:ext uri="{BB962C8B-B14F-4D97-AF65-F5344CB8AC3E}">
+        <p14:creationId xmlns:p14="http://schemas.microsoft.com/office/powerpoint/2010/main" val="619851729"/>
+      </p:ext>
+    </p:extLst>
+  </p:cSld>
+  <p:clrMapOvr>
+    <a:masterClrMapping/>
+  </p:clrMapOvr>
+</p:sld>
+</file>
+
+<file path=ppt/slides/slide11.xml><?xml version="1.0" encoding="utf-8"?>
+<p:sld xmlns:a="http://schemas.openxmlformats.org/drawingml/2006/main" xmlns:r="http://schemas.openxmlformats.org/officeDocument/2006/relationships" xmlns:p="http://schemas.openxmlformats.org/presentationml/2006/main">
+  <p:cSld>
+    <p:spTree>
+      <p:nvGrpSpPr>
+        <p:cNvPr id="1" name=""/>
+        <p:cNvGrpSpPr/>
+        <p:nvPr/>
+      </p:nvGrpSpPr>
+      <p:grpSpPr>
+        <a:xfrm>
+          <a:off x="0" y="0"/>
+          <a:ext cx="0" cy="0"/>
+          <a:chOff x="0" y="0"/>
+          <a:chExt cx="0" cy="0"/>
+        </a:xfrm>
+      </p:grpSpPr>
+      <p:sp>
+        <p:nvSpPr>
+          <p:cNvPr id="2" name="Title 1">
+            <a:extLst>
+              <a:ext uri="{FF2B5EF4-FFF2-40B4-BE49-F238E27FC236}">
+                <a16:creationId xmlns:a16="http://schemas.microsoft.com/office/drawing/2014/main" id="{5243AD86-3C61-C64C-522B-0494C7AE9EA7}"/>
+              </a:ext>
+            </a:extLst>
+          </p:cNvPr>
+          <p:cNvSpPr>
+            <a:spLocks noGrp="1"/>
+          </p:cNvSpPr>
+          <p:nvPr>
+            <p:ph type="title"/>
+          </p:nvPr>
+        </p:nvSpPr>
+        <p:spPr>
+          <a:xfrm>
+            <a:off x="792744" y="458680"/>
+            <a:ext cx="8596668" cy="686540"/>
+          </a:xfrm>
+        </p:spPr>
+        <p:txBody>
+          <a:bodyPr/>
+          <a:lstStyle/>
+          <a:p>
+            <a:r>
+              <a:rPr lang="en-US" dirty="0"/>
+              <a:t>Contd.</a:t>
+            </a:r>
+          </a:p>
+        </p:txBody>
+      </p:sp>
+      <p:sp>
+        <p:nvSpPr>
+          <p:cNvPr id="3" name="Content Placeholder 2">
+            <a:extLst>
+              <a:ext uri="{FF2B5EF4-FFF2-40B4-BE49-F238E27FC236}">
+                <a16:creationId xmlns:a16="http://schemas.microsoft.com/office/drawing/2014/main" id="{955C3738-FFDD-8C0F-96EC-18BFAB03EBF8}"/>
+              </a:ext>
+            </a:extLst>
+          </p:cNvPr>
+          <p:cNvSpPr>
+            <a:spLocks noGrp="1"/>
+          </p:cNvSpPr>
+          <p:nvPr>
+            <p:ph idx="1"/>
+          </p:nvPr>
+        </p:nvSpPr>
+        <p:spPr>
+          <a:xfrm>
+            <a:off x="677334" y="1438183"/>
+            <a:ext cx="8413401" cy="5521910"/>
+          </a:xfrm>
+        </p:spPr>
+        <p:txBody>
+          <a:bodyPr>
+            <a:noAutofit/>
+          </a:bodyPr>
+          <a:lstStyle/>
+          <a:p>
+            <a:pPr marL="0" indent="0">
+              <a:buNone/>
+            </a:pPr>
+            <a:r>
+              <a:rPr lang="en-US" dirty="0"/>
+              <a:t>The results indicated that ANN has merit in the prediction of PM2.5 concentrations and is able to outperform other machine learning approach used in this study. </a:t>
+            </a:r>
+          </a:p>
+          <a:p>
+            <a:pPr marL="0" indent="0">
+              <a:buNone/>
+            </a:pPr>
+            <a:r>
+              <a:rPr lang="en-US" dirty="0"/>
+              <a:t>The results also indicated that, with improvements in model topography, data quality and computational power, the prediction accuracy of the ANN model can further be fine-tuned for practical application. </a:t>
+            </a:r>
+          </a:p>
+          <a:p>
+            <a:pPr marL="0" indent="0">
+              <a:buNone/>
+            </a:pPr>
+            <a:r>
+              <a:rPr lang="en-US" dirty="0"/>
+              <a:t>Hence it may be concluded that the ANN model with better generalization capabilities may be considered as an optimal candidate technique, for model development, for multi-dimensional complex problems like air pollution.</a:t>
+            </a:r>
+          </a:p>
+          <a:p>
+            <a:pPr marL="0" indent="0">
+              <a:buNone/>
+            </a:pPr>
+            <a:endParaRPr lang="en-US" dirty="0"/>
+          </a:p>
+        </p:txBody>
+      </p:sp>
+    </p:spTree>
+    <p:extLst>
+      <p:ext uri="{BB962C8B-B14F-4D97-AF65-F5344CB8AC3E}">
+        <p14:creationId xmlns:p14="http://schemas.microsoft.com/office/powerpoint/2010/main" val="1757207453"/>
+      </p:ext>
+    </p:extLst>
+  </p:cSld>
+  <p:clrMapOvr>
+    <a:masterClrMapping/>
+  </p:clrMapOvr>
+</p:sld>
+</file>
+
+<file path=ppt/slides/slide12.xml><?xml version="1.0" encoding="utf-8"?>
+<p:sld xmlns:a="http://schemas.openxmlformats.org/drawingml/2006/main" xmlns:r="http://schemas.openxmlformats.org/officeDocument/2006/relationships" xmlns:p="http://schemas.openxmlformats.org/presentationml/2006/main">
+  <p:cSld>
+    <p:spTree>
+      <p:nvGrpSpPr>
+        <p:cNvPr id="1" name=""/>
+        <p:cNvGrpSpPr/>
+        <p:nvPr/>
+      </p:nvGrpSpPr>
+      <p:grpSpPr>
+        <a:xfrm>
+          <a:off x="0" y="0"/>
+          <a:ext cx="0" cy="0"/>
+          <a:chOff x="0" y="0"/>
+          <a:chExt cx="0" cy="0"/>
+        </a:xfrm>
+      </p:grpSpPr>
+      <p:sp>
+        <p:nvSpPr>
+          <p:cNvPr id="2" name="Title 1">
+            <a:extLst>
+              <a:ext uri="{FF2B5EF4-FFF2-40B4-BE49-F238E27FC236}">
                 <a16:creationId xmlns:a16="http://schemas.microsoft.com/office/drawing/2014/main" id="{E9E95D96-E4BE-7FF8-2D80-410A4D7DAA23}"/>
               </a:ext>
             </a:extLst>
@@ -6147,12 +6508,30 @@
             <a:pPr algn="l"/>
             <a:r>
               <a:rPr lang="en-US" sz="1050" dirty="0"/>
-              <a:t>[2] Statistical Abstract (2016) Delhi Govt Portal, </a:t>
+              <a:t>[2] </a:t>
             </a:r>
             <a:r>
               <a:rPr lang="en-US" sz="1050" dirty="0">
                 <a:hlinkClick r:id="rId3"/>
               </a:rPr>
+              <a:t>https://www.sciencedirect.com/science/article/pii/S1877050920307249</a:t>
+            </a:r>
+            <a:endParaRPr lang="en-US" sz="1050" dirty="0"/>
+          </a:p>
+          <a:p>
+            <a:pPr algn="l"/>
+            <a:r>
+              <a:rPr lang="en-US" sz="1050"/>
+              <a:t>[</a:t>
+            </a:r>
+            <a:r>
+              <a:rPr lang="en-US" sz="1050" dirty="0"/>
+              <a:t>3] Statistical Abstract (2016) Delhi Govt Portal, </a:t>
+            </a:r>
+            <a:r>
+              <a:rPr lang="en-US" sz="1050" dirty="0">
+                <a:hlinkClick r:id="rId4"/>
+              </a:rPr>
               <a:t>www.delhi.gov.in</a:t>
             </a:r>
             <a:r>
@@ -6164,11 +6543,11 @@
             <a:pPr algn="l"/>
             <a:r>
               <a:rPr lang="fr-FR" sz="1050" dirty="0"/>
-              <a:t>[3] WHO’s Urban Ambient Air Pollution data base Update 2016  </a:t>
+              <a:t>[4] WHO’s Urban Ambient Air Pollution data base Update 2016  </a:t>
             </a:r>
             <a:r>
               <a:rPr lang="fr-FR" sz="1050" dirty="0">
-                <a:hlinkClick r:id="rId4"/>
+                <a:hlinkClick r:id="rId5"/>
               </a:rPr>
               <a:t>http://www.who.int/phe/health_topics/outdoorair/databases/AAP_database_summary_results_2016_v02.pdf</a:t>
             </a:r>
@@ -6181,7 +6560,7 @@
             <a:pPr algn="l"/>
             <a:r>
               <a:rPr lang="en-US" sz="1050" dirty="0"/>
-              <a:t>[4] https://www.dpcc.delhigovt.nic.in/locationmap#gsc.tab=0</a:t>
+              <a:t>[5] https://www.dpcc.delhigovt.nic.in/locationmap#gsc.tab=0</a:t>
             </a:r>
           </a:p>
         </p:txBody>
@@ -7204,7 +7583,7 @@
           <a:p>
             <a:r>
               <a:rPr lang="en-US" sz="2200" dirty="0"/>
-              <a:t>Paper 1</a:t>
+              <a:t>Paper [1]</a:t>
             </a:r>
             <a:br>
               <a:rPr lang="en-US" dirty="0"/>
@@ -7561,7 +7940,7 @@
         </p:nvSpPr>
         <p:spPr>
           <a:xfrm>
-            <a:off x="541537" y="645111"/>
+            <a:off x="470516" y="381315"/>
             <a:ext cx="9223899" cy="1320800"/>
           </a:xfrm>
         </p:spPr>
@@ -7573,14 +7952,14 @@
           <a:p>
             <a:r>
               <a:rPr lang="en-US" sz="2200" dirty="0"/>
-              <a:t>Paper 2</a:t>
+              <a:t>Paper [2]</a:t>
             </a:r>
             <a:br>
               <a:rPr lang="en-US" dirty="0"/>
             </a:br>
             <a:r>
               <a:rPr lang="en-US" sz="2400" dirty="0"/>
-              <a:t>A model for particulate matter (PM2.5) prediction for Delhi based on machine learning approaches</a:t>
+              <a:t>A model for particulate matter (PM2.5) prediction for Delhi based on machine learning approaches.</a:t>
             </a:r>
             <a:endParaRPr lang="en-US" dirty="0"/>
           </a:p>
@@ -7604,18 +7983,109 @@
         </p:nvSpPr>
         <p:spPr>
           <a:xfrm>
-            <a:off x="541538" y="2139519"/>
-            <a:ext cx="8732464" cy="3901844"/>
+            <a:off x="470516" y="1774615"/>
+            <a:ext cx="9099612" cy="4493019"/>
           </a:xfrm>
         </p:spPr>
         <p:txBody>
-          <a:bodyPr/>
-          <a:lstStyle/>
+          <a:bodyPr>
+            <a:noAutofit/>
+          </a:bodyPr>
+          <a:lstStyle/>
+          <a:p>
+            <a:pPr marL="0" indent="0">
+              <a:buNone/>
+            </a:pPr>
+            <a:r>
+              <a:rPr lang="en-US" dirty="0"/>
+              <a:t>In the mentioned paper, a couple of machine learning techniques, namely the ANN and SVM have been used to predict PM2.5 concentrations in Delhi. Two different models i.e. SVM and ANN, were built on the inputs of various meteorological and pollutant parameters corresponding to a 2-year period from 2016-18.</a:t>
+            </a:r>
+          </a:p>
+          <a:p>
+            <a:pPr marL="0" indent="0">
+              <a:buNone/>
+            </a:pPr>
+            <a:r>
+              <a:rPr lang="en-US" dirty="0"/>
+              <a:t>To avoid any bias with a particular missing value in the dataset that may affect the forecasting model results, a linear interpolation technique has been applied.</a:t>
+            </a:r>
+          </a:p>
+          <a:p>
+            <a:pPr marL="0" indent="0">
+              <a:buNone/>
+            </a:pPr>
+            <a:r>
+              <a:rPr lang="en-US" dirty="0"/>
+              <a:t>SVM was implemented with a linear kernel, with kernel scale value of 1 and a Sequential Minimal optimization as the solver.</a:t>
+            </a:r>
+          </a:p>
+          <a:p>
+            <a:pPr marL="0" indent="0">
+              <a:buNone/>
+            </a:pPr>
+            <a:r>
+              <a:rPr lang="en-US" dirty="0"/>
+              <a:t>They applied a Feed Forward single hidden layer neural network (FFNN) to predict the PM2.5 concentrations, which was trained using the Resilient back propagation algorithm.</a:t>
+            </a:r>
+          </a:p>
+          <a:p>
+            <a:pPr marL="0" indent="0">
+              <a:buNone/>
+            </a:pPr>
+            <a:r>
+              <a:rPr lang="en-US" sz="1800" dirty="0"/>
+              <a:t>The dataset is split into train-test subsets by the ratio of 80–20% respectively.</a:t>
+            </a:r>
+          </a:p>
+          <a:p>
+            <a:pPr marL="0" indent="0">
+              <a:buNone/>
+            </a:pPr>
+            <a:endParaRPr lang="en-US" sz="1800" dirty="0"/>
+          </a:p>
           <a:p>
             <a:pPr marL="0" indent="0">
               <a:buNone/>
             </a:pPr>
             <a:endParaRPr lang="en-US" dirty="0"/>
+          </a:p>
+        </p:txBody>
+      </p:sp>
+      <p:sp>
+        <p:nvSpPr>
+          <p:cNvPr id="4" name="TextBox 3">
+            <a:extLst>
+              <a:ext uri="{FF2B5EF4-FFF2-40B4-BE49-F238E27FC236}">
+                <a16:creationId xmlns:a16="http://schemas.microsoft.com/office/drawing/2014/main" id="{D7A38B82-7E1E-3AD4-4B58-714C5B247FF9}"/>
+              </a:ext>
+            </a:extLst>
+          </p:cNvPr>
+          <p:cNvSpPr txBox="1"/>
+          <p:nvPr/>
+        </p:nvSpPr>
+        <p:spPr>
+          <a:xfrm>
+            <a:off x="585926" y="6212708"/>
+            <a:ext cx="6312023" cy="246221"/>
+          </a:xfrm>
+          <a:prstGeom prst="rect">
+            <a:avLst/>
+          </a:prstGeom>
+          <a:noFill/>
+        </p:spPr>
+        <p:txBody>
+          <a:bodyPr wrap="square" rtlCol="0">
+            <a:spAutoFit/>
+          </a:bodyPr>
+          <a:lstStyle/>
+          <a:p>
+            <a:r>
+              <a:rPr lang="en-US" sz="1000" dirty="0">
+                <a:hlinkClick r:id="rId2"/>
+              </a:rPr>
+              <a:t>[2] https://www.sciencedirect.com/science/article/pii/S1877050920307249</a:t>
+            </a:r>
+            <a:endParaRPr lang="en-US" sz="1000" dirty="0"/>
           </a:p>
         </p:txBody>
       </p:sp>
